--- a/ppt 16-9/0438.无名的传道人.pptx
+++ b/ppt 16-9/0438.无名的传道人.pptx
@@ -5,7 +5,7 @@
     <p:sldMasterId id="2147483648" r:id="rId1"/>
   </p:sldMasterIdLst>
   <p:sldIdLst>
-    <p:sldId id="2926" r:id="rId2"/>
+    <p:sldId id="2927" r:id="rId2"/>
   </p:sldIdLst>
   <p:sldSz cx="12192000" cy="6858000"/>
   <p:notesSz cx="6858000" cy="9144000"/>
@@ -129,7 +129,7 @@
           <p:cNvPr id="2" name="标题 1">
             <a:extLst>
               <a:ext uri="{FF2B5EF4-FFF2-40B4-BE49-F238E27FC236}">
-                <a16:creationId xmlns:a16="http://schemas.microsoft.com/office/drawing/2014/main" id="{500DCC4B-1821-5A12-6203-627D1D6D1FA3}"/>
+                <a16:creationId xmlns:a16="http://schemas.microsoft.com/office/drawing/2014/main" id="{1FC06278-A317-3A71-56FD-FA660FA96253}"/>
               </a:ext>
             </a:extLst>
           </p:cNvPr>
@@ -166,7 +166,7 @@
           <p:cNvPr id="3" name="副标题 2">
             <a:extLst>
               <a:ext uri="{FF2B5EF4-FFF2-40B4-BE49-F238E27FC236}">
-                <a16:creationId xmlns:a16="http://schemas.microsoft.com/office/drawing/2014/main" id="{48E71338-CFB0-AFEF-D5D8-0E73A2F8DC63}"/>
+                <a16:creationId xmlns:a16="http://schemas.microsoft.com/office/drawing/2014/main" id="{266021B5-8DDE-53A8-ED2A-7E1176275867}"/>
               </a:ext>
             </a:extLst>
           </p:cNvPr>
@@ -236,7 +236,7 @@
           <p:cNvPr id="4" name="日期占位符 3">
             <a:extLst>
               <a:ext uri="{FF2B5EF4-FFF2-40B4-BE49-F238E27FC236}">
-                <a16:creationId xmlns:a16="http://schemas.microsoft.com/office/drawing/2014/main" id="{C3CE9BE2-3648-E9E3-8250-9486B994E85A}"/>
+                <a16:creationId xmlns:a16="http://schemas.microsoft.com/office/drawing/2014/main" id="{CC7F17FB-F4B5-273B-BDB3-B8E98901D096}"/>
               </a:ext>
             </a:extLst>
           </p:cNvPr>
@@ -252,7 +252,7 @@
           <a:bodyPr/>
           <a:lstStyle/>
           <a:p>
-            <a:fld id="{F80158D4-1A98-42F3-B04C-C8FA33746896}" type="datetimeFigureOut">
+            <a:fld id="{065AEC44-4D3B-4C6D-B97D-714DF49536FA}" type="datetimeFigureOut">
               <a:rPr lang="zh-CN" altLang="en-US" smtClean="0"/>
               <a:t>2024/3/10</a:t>
             </a:fld>
@@ -265,7 +265,7 @@
           <p:cNvPr id="5" name="页脚占位符 4">
             <a:extLst>
               <a:ext uri="{FF2B5EF4-FFF2-40B4-BE49-F238E27FC236}">
-                <a16:creationId xmlns:a16="http://schemas.microsoft.com/office/drawing/2014/main" id="{1CAA5459-F64F-EE18-563D-4A0C32D5576A}"/>
+                <a16:creationId xmlns:a16="http://schemas.microsoft.com/office/drawing/2014/main" id="{F5723549-D771-33D4-2AEF-DC0C2B10EAD7}"/>
               </a:ext>
             </a:extLst>
           </p:cNvPr>
@@ -290,7 +290,7 @@
           <p:cNvPr id="6" name="灯片编号占位符 5">
             <a:extLst>
               <a:ext uri="{FF2B5EF4-FFF2-40B4-BE49-F238E27FC236}">
-                <a16:creationId xmlns:a16="http://schemas.microsoft.com/office/drawing/2014/main" id="{FFF1CB37-844A-4A93-B0BB-01483A172867}"/>
+                <a16:creationId xmlns:a16="http://schemas.microsoft.com/office/drawing/2014/main" id="{F93FA87C-6425-B070-A1A9-117FED8AE0B2}"/>
               </a:ext>
             </a:extLst>
           </p:cNvPr>
@@ -306,7 +306,7 @@
           <a:bodyPr/>
           <a:lstStyle/>
           <a:p>
-            <a:fld id="{8EAF730A-F151-4863-BAF6-EFF5B80B3FED}" type="slidenum">
+            <a:fld id="{377D8AA6-A393-4340-A4C3-7C8177BDB1A5}" type="slidenum">
               <a:rPr lang="zh-CN" altLang="en-US" smtClean="0"/>
               <a:t>‹#›</a:t>
             </a:fld>
@@ -317,7 +317,7 @@
     </p:spTree>
     <p:extLst>
       <p:ext uri="{BB962C8B-B14F-4D97-AF65-F5344CB8AC3E}">
-        <p14:creationId xmlns:p14="http://schemas.microsoft.com/office/powerpoint/2010/main" val="3416980871"/>
+        <p14:creationId xmlns:p14="http://schemas.microsoft.com/office/powerpoint/2010/main" val="4216153022"/>
       </p:ext>
     </p:extLst>
   </p:cSld>
@@ -349,7 +349,7 @@
           <p:cNvPr id="2" name="标题 1">
             <a:extLst>
               <a:ext uri="{FF2B5EF4-FFF2-40B4-BE49-F238E27FC236}">
-                <a16:creationId xmlns:a16="http://schemas.microsoft.com/office/drawing/2014/main" id="{B09E13A2-5FBD-F49D-D3DF-A18CA0C13756}"/>
+                <a16:creationId xmlns:a16="http://schemas.microsoft.com/office/drawing/2014/main" id="{A2977711-FBF0-46BE-A2CF-DE028EAF5D27}"/>
               </a:ext>
             </a:extLst>
           </p:cNvPr>
@@ -377,7 +377,7 @@
           <p:cNvPr id="3" name="竖排文字占位符 2">
             <a:extLst>
               <a:ext uri="{FF2B5EF4-FFF2-40B4-BE49-F238E27FC236}">
-                <a16:creationId xmlns:a16="http://schemas.microsoft.com/office/drawing/2014/main" id="{129DEBC5-8674-3DA9-C9B2-64FB9AA00FB7}"/>
+                <a16:creationId xmlns:a16="http://schemas.microsoft.com/office/drawing/2014/main" id="{0D271554-BC02-0EB9-16BE-B2A22A1E4B28}"/>
               </a:ext>
             </a:extLst>
           </p:cNvPr>
@@ -434,7 +434,7 @@
           <p:cNvPr id="4" name="日期占位符 3">
             <a:extLst>
               <a:ext uri="{FF2B5EF4-FFF2-40B4-BE49-F238E27FC236}">
-                <a16:creationId xmlns:a16="http://schemas.microsoft.com/office/drawing/2014/main" id="{9D0DE09A-05D4-24B0-9B54-47BB8C31471F}"/>
+                <a16:creationId xmlns:a16="http://schemas.microsoft.com/office/drawing/2014/main" id="{87BEBC1A-E336-BF5E-3F21-E65C9A24363F}"/>
               </a:ext>
             </a:extLst>
           </p:cNvPr>
@@ -450,7 +450,7 @@
           <a:bodyPr/>
           <a:lstStyle/>
           <a:p>
-            <a:fld id="{F80158D4-1A98-42F3-B04C-C8FA33746896}" type="datetimeFigureOut">
+            <a:fld id="{065AEC44-4D3B-4C6D-B97D-714DF49536FA}" type="datetimeFigureOut">
               <a:rPr lang="zh-CN" altLang="en-US" smtClean="0"/>
               <a:t>2024/3/10</a:t>
             </a:fld>
@@ -463,7 +463,7 @@
           <p:cNvPr id="5" name="页脚占位符 4">
             <a:extLst>
               <a:ext uri="{FF2B5EF4-FFF2-40B4-BE49-F238E27FC236}">
-                <a16:creationId xmlns:a16="http://schemas.microsoft.com/office/drawing/2014/main" id="{7AAB9E31-A5F7-21C5-7FDB-B978D3E85B14}"/>
+                <a16:creationId xmlns:a16="http://schemas.microsoft.com/office/drawing/2014/main" id="{25835E6F-42C3-4484-718E-9F9E60A4E2C3}"/>
               </a:ext>
             </a:extLst>
           </p:cNvPr>
@@ -488,7 +488,7 @@
           <p:cNvPr id="6" name="灯片编号占位符 5">
             <a:extLst>
               <a:ext uri="{FF2B5EF4-FFF2-40B4-BE49-F238E27FC236}">
-                <a16:creationId xmlns:a16="http://schemas.microsoft.com/office/drawing/2014/main" id="{E5215C5D-F327-896A-9EA9-FBC06999002B}"/>
+                <a16:creationId xmlns:a16="http://schemas.microsoft.com/office/drawing/2014/main" id="{C26CF984-9443-F5B0-37C8-416E9D5785C8}"/>
               </a:ext>
             </a:extLst>
           </p:cNvPr>
@@ -504,7 +504,7 @@
           <a:bodyPr/>
           <a:lstStyle/>
           <a:p>
-            <a:fld id="{8EAF730A-F151-4863-BAF6-EFF5B80B3FED}" type="slidenum">
+            <a:fld id="{377D8AA6-A393-4340-A4C3-7C8177BDB1A5}" type="slidenum">
               <a:rPr lang="zh-CN" altLang="en-US" smtClean="0"/>
               <a:t>‹#›</a:t>
             </a:fld>
@@ -515,7 +515,7 @@
     </p:spTree>
     <p:extLst>
       <p:ext uri="{BB962C8B-B14F-4D97-AF65-F5344CB8AC3E}">
-        <p14:creationId xmlns:p14="http://schemas.microsoft.com/office/powerpoint/2010/main" val="244657867"/>
+        <p14:creationId xmlns:p14="http://schemas.microsoft.com/office/powerpoint/2010/main" val="3344875699"/>
       </p:ext>
     </p:extLst>
   </p:cSld>
@@ -547,7 +547,7 @@
           <p:cNvPr id="2" name="竖排标题 1">
             <a:extLst>
               <a:ext uri="{FF2B5EF4-FFF2-40B4-BE49-F238E27FC236}">
-                <a16:creationId xmlns:a16="http://schemas.microsoft.com/office/drawing/2014/main" id="{A20D4F56-3E1F-162D-D055-BDD47B05C6E2}"/>
+                <a16:creationId xmlns:a16="http://schemas.microsoft.com/office/drawing/2014/main" id="{893608E7-D4C7-D1BD-9889-00A2AD8886BD}"/>
               </a:ext>
             </a:extLst>
           </p:cNvPr>
@@ -580,7 +580,7 @@
           <p:cNvPr id="3" name="竖排文字占位符 2">
             <a:extLst>
               <a:ext uri="{FF2B5EF4-FFF2-40B4-BE49-F238E27FC236}">
-                <a16:creationId xmlns:a16="http://schemas.microsoft.com/office/drawing/2014/main" id="{78A8964A-807A-FFDD-EB7E-5BD699DB8D12}"/>
+                <a16:creationId xmlns:a16="http://schemas.microsoft.com/office/drawing/2014/main" id="{EF199450-4FF9-92BA-2BD4-AE8CB5D8A3BC}"/>
               </a:ext>
             </a:extLst>
           </p:cNvPr>
@@ -642,7 +642,7 @@
           <p:cNvPr id="4" name="日期占位符 3">
             <a:extLst>
               <a:ext uri="{FF2B5EF4-FFF2-40B4-BE49-F238E27FC236}">
-                <a16:creationId xmlns:a16="http://schemas.microsoft.com/office/drawing/2014/main" id="{98857E5B-369B-1D99-4A70-595B082F52B7}"/>
+                <a16:creationId xmlns:a16="http://schemas.microsoft.com/office/drawing/2014/main" id="{B706F7EC-5D74-38F2-C467-3739FAF020D6}"/>
               </a:ext>
             </a:extLst>
           </p:cNvPr>
@@ -658,7 +658,7 @@
           <a:bodyPr/>
           <a:lstStyle/>
           <a:p>
-            <a:fld id="{F80158D4-1A98-42F3-B04C-C8FA33746896}" type="datetimeFigureOut">
+            <a:fld id="{065AEC44-4D3B-4C6D-B97D-714DF49536FA}" type="datetimeFigureOut">
               <a:rPr lang="zh-CN" altLang="en-US" smtClean="0"/>
               <a:t>2024/3/10</a:t>
             </a:fld>
@@ -671,7 +671,7 @@
           <p:cNvPr id="5" name="页脚占位符 4">
             <a:extLst>
               <a:ext uri="{FF2B5EF4-FFF2-40B4-BE49-F238E27FC236}">
-                <a16:creationId xmlns:a16="http://schemas.microsoft.com/office/drawing/2014/main" id="{749C398E-D85C-D72F-47BD-1396ED7578EE}"/>
+                <a16:creationId xmlns:a16="http://schemas.microsoft.com/office/drawing/2014/main" id="{B7662C8E-9DE9-ACE1-749F-598D28ACFF0F}"/>
               </a:ext>
             </a:extLst>
           </p:cNvPr>
@@ -696,7 +696,7 @@
           <p:cNvPr id="6" name="灯片编号占位符 5">
             <a:extLst>
               <a:ext uri="{FF2B5EF4-FFF2-40B4-BE49-F238E27FC236}">
-                <a16:creationId xmlns:a16="http://schemas.microsoft.com/office/drawing/2014/main" id="{A4833680-B58C-1BB2-9991-6F99F6DB9496}"/>
+                <a16:creationId xmlns:a16="http://schemas.microsoft.com/office/drawing/2014/main" id="{CF145E6C-93CE-9FE0-0A8C-21526D86D445}"/>
               </a:ext>
             </a:extLst>
           </p:cNvPr>
@@ -712,7 +712,7 @@
           <a:bodyPr/>
           <a:lstStyle/>
           <a:p>
-            <a:fld id="{8EAF730A-F151-4863-BAF6-EFF5B80B3FED}" type="slidenum">
+            <a:fld id="{377D8AA6-A393-4340-A4C3-7C8177BDB1A5}" type="slidenum">
               <a:rPr lang="zh-CN" altLang="en-US" smtClean="0"/>
               <a:t>‹#›</a:t>
             </a:fld>
@@ -723,7 +723,7 @@
     </p:spTree>
     <p:extLst>
       <p:ext uri="{BB962C8B-B14F-4D97-AF65-F5344CB8AC3E}">
-        <p14:creationId xmlns:p14="http://schemas.microsoft.com/office/powerpoint/2010/main" val="2616777284"/>
+        <p14:creationId xmlns:p14="http://schemas.microsoft.com/office/powerpoint/2010/main" val="1597683100"/>
       </p:ext>
     </p:extLst>
   </p:cSld>
@@ -755,7 +755,7 @@
           <p:cNvPr id="2" name="标题 1">
             <a:extLst>
               <a:ext uri="{FF2B5EF4-FFF2-40B4-BE49-F238E27FC236}">
-                <a16:creationId xmlns:a16="http://schemas.microsoft.com/office/drawing/2014/main" id="{4DA99282-9D51-3C5C-8FE7-5277595DFC7D}"/>
+                <a16:creationId xmlns:a16="http://schemas.microsoft.com/office/drawing/2014/main" id="{195B097A-50F7-A75D-BEA2-7A364AA0C856}"/>
               </a:ext>
             </a:extLst>
           </p:cNvPr>
@@ -783,7 +783,7 @@
           <p:cNvPr id="3" name="内容占位符 2">
             <a:extLst>
               <a:ext uri="{FF2B5EF4-FFF2-40B4-BE49-F238E27FC236}">
-                <a16:creationId xmlns:a16="http://schemas.microsoft.com/office/drawing/2014/main" id="{0409C073-D250-1C83-6F82-53DF027BA9C6}"/>
+                <a16:creationId xmlns:a16="http://schemas.microsoft.com/office/drawing/2014/main" id="{352001DB-5BB5-4B4B-7E6C-791B827AD4AE}"/>
               </a:ext>
             </a:extLst>
           </p:cNvPr>
@@ -840,7 +840,7 @@
           <p:cNvPr id="4" name="日期占位符 3">
             <a:extLst>
               <a:ext uri="{FF2B5EF4-FFF2-40B4-BE49-F238E27FC236}">
-                <a16:creationId xmlns:a16="http://schemas.microsoft.com/office/drawing/2014/main" id="{91CFDA35-FF0B-9DB1-F309-0E87E6D92FA6}"/>
+                <a16:creationId xmlns:a16="http://schemas.microsoft.com/office/drawing/2014/main" id="{90A2EFD9-C10D-33C5-42FF-3676DB2BE290}"/>
               </a:ext>
             </a:extLst>
           </p:cNvPr>
@@ -856,7 +856,7 @@
           <a:bodyPr/>
           <a:lstStyle/>
           <a:p>
-            <a:fld id="{F80158D4-1A98-42F3-B04C-C8FA33746896}" type="datetimeFigureOut">
+            <a:fld id="{065AEC44-4D3B-4C6D-B97D-714DF49536FA}" type="datetimeFigureOut">
               <a:rPr lang="zh-CN" altLang="en-US" smtClean="0"/>
               <a:t>2024/3/10</a:t>
             </a:fld>
@@ -869,7 +869,7 @@
           <p:cNvPr id="5" name="页脚占位符 4">
             <a:extLst>
               <a:ext uri="{FF2B5EF4-FFF2-40B4-BE49-F238E27FC236}">
-                <a16:creationId xmlns:a16="http://schemas.microsoft.com/office/drawing/2014/main" id="{4D4415FA-80BD-AB26-F458-D1F03D3DF3DE}"/>
+                <a16:creationId xmlns:a16="http://schemas.microsoft.com/office/drawing/2014/main" id="{DD61D1A5-E37C-A117-1EC1-D7636D4CF860}"/>
               </a:ext>
             </a:extLst>
           </p:cNvPr>
@@ -894,7 +894,7 @@
           <p:cNvPr id="6" name="灯片编号占位符 5">
             <a:extLst>
               <a:ext uri="{FF2B5EF4-FFF2-40B4-BE49-F238E27FC236}">
-                <a16:creationId xmlns:a16="http://schemas.microsoft.com/office/drawing/2014/main" id="{536DBF7F-0E63-0A86-491E-AF18C15C2632}"/>
+                <a16:creationId xmlns:a16="http://schemas.microsoft.com/office/drawing/2014/main" id="{83A470EC-7100-F121-1310-3716342A5FCA}"/>
               </a:ext>
             </a:extLst>
           </p:cNvPr>
@@ -910,7 +910,7 @@
           <a:bodyPr/>
           <a:lstStyle/>
           <a:p>
-            <a:fld id="{8EAF730A-F151-4863-BAF6-EFF5B80B3FED}" type="slidenum">
+            <a:fld id="{377D8AA6-A393-4340-A4C3-7C8177BDB1A5}" type="slidenum">
               <a:rPr lang="zh-CN" altLang="en-US" smtClean="0"/>
               <a:t>‹#›</a:t>
             </a:fld>
@@ -921,7 +921,7 @@
     </p:spTree>
     <p:extLst>
       <p:ext uri="{BB962C8B-B14F-4D97-AF65-F5344CB8AC3E}">
-        <p14:creationId xmlns:p14="http://schemas.microsoft.com/office/powerpoint/2010/main" val="1418133428"/>
+        <p14:creationId xmlns:p14="http://schemas.microsoft.com/office/powerpoint/2010/main" val="4211962045"/>
       </p:ext>
     </p:extLst>
   </p:cSld>
@@ -953,7 +953,7 @@
           <p:cNvPr id="2" name="标题 1">
             <a:extLst>
               <a:ext uri="{FF2B5EF4-FFF2-40B4-BE49-F238E27FC236}">
-                <a16:creationId xmlns:a16="http://schemas.microsoft.com/office/drawing/2014/main" id="{2FE9FC53-71E3-0930-6F10-559E6C348A68}"/>
+                <a16:creationId xmlns:a16="http://schemas.microsoft.com/office/drawing/2014/main" id="{A1471BFA-7805-41BF-4ED9-A579A2E7BCD9}"/>
               </a:ext>
             </a:extLst>
           </p:cNvPr>
@@ -990,7 +990,7 @@
           <p:cNvPr id="3" name="文本占位符 2">
             <a:extLst>
               <a:ext uri="{FF2B5EF4-FFF2-40B4-BE49-F238E27FC236}">
-                <a16:creationId xmlns:a16="http://schemas.microsoft.com/office/drawing/2014/main" id="{CFEE1796-33E5-796E-2D7D-063FA72F6387}"/>
+                <a16:creationId xmlns:a16="http://schemas.microsoft.com/office/drawing/2014/main" id="{5A378EA4-8CBB-6518-2DA1-B8FFC737398B}"/>
               </a:ext>
             </a:extLst>
           </p:cNvPr>
@@ -1115,7 +1115,7 @@
           <p:cNvPr id="4" name="日期占位符 3">
             <a:extLst>
               <a:ext uri="{FF2B5EF4-FFF2-40B4-BE49-F238E27FC236}">
-                <a16:creationId xmlns:a16="http://schemas.microsoft.com/office/drawing/2014/main" id="{6D7BEB75-1750-92E0-74F3-B0676F6222DB}"/>
+                <a16:creationId xmlns:a16="http://schemas.microsoft.com/office/drawing/2014/main" id="{4670796D-7A1C-5CDC-A3BA-FAC406AE9BBD}"/>
               </a:ext>
             </a:extLst>
           </p:cNvPr>
@@ -1131,7 +1131,7 @@
           <a:bodyPr/>
           <a:lstStyle/>
           <a:p>
-            <a:fld id="{F80158D4-1A98-42F3-B04C-C8FA33746896}" type="datetimeFigureOut">
+            <a:fld id="{065AEC44-4D3B-4C6D-B97D-714DF49536FA}" type="datetimeFigureOut">
               <a:rPr lang="zh-CN" altLang="en-US" smtClean="0"/>
               <a:t>2024/3/10</a:t>
             </a:fld>
@@ -1144,7 +1144,7 @@
           <p:cNvPr id="5" name="页脚占位符 4">
             <a:extLst>
               <a:ext uri="{FF2B5EF4-FFF2-40B4-BE49-F238E27FC236}">
-                <a16:creationId xmlns:a16="http://schemas.microsoft.com/office/drawing/2014/main" id="{E8D00328-CF03-E39C-2598-2E62AE4F13E2}"/>
+                <a16:creationId xmlns:a16="http://schemas.microsoft.com/office/drawing/2014/main" id="{3A2714F3-0D52-B6F5-0B5A-582EE8387662}"/>
               </a:ext>
             </a:extLst>
           </p:cNvPr>
@@ -1169,7 +1169,7 @@
           <p:cNvPr id="6" name="灯片编号占位符 5">
             <a:extLst>
               <a:ext uri="{FF2B5EF4-FFF2-40B4-BE49-F238E27FC236}">
-                <a16:creationId xmlns:a16="http://schemas.microsoft.com/office/drawing/2014/main" id="{D89F6246-A1C3-C98C-EB5D-F83DD60CA802}"/>
+                <a16:creationId xmlns:a16="http://schemas.microsoft.com/office/drawing/2014/main" id="{295C5012-090D-F7BB-8078-E86C326B79BC}"/>
               </a:ext>
             </a:extLst>
           </p:cNvPr>
@@ -1185,7 +1185,7 @@
           <a:bodyPr/>
           <a:lstStyle/>
           <a:p>
-            <a:fld id="{8EAF730A-F151-4863-BAF6-EFF5B80B3FED}" type="slidenum">
+            <a:fld id="{377D8AA6-A393-4340-A4C3-7C8177BDB1A5}" type="slidenum">
               <a:rPr lang="zh-CN" altLang="en-US" smtClean="0"/>
               <a:t>‹#›</a:t>
             </a:fld>
@@ -1196,7 +1196,7 @@
     </p:spTree>
     <p:extLst>
       <p:ext uri="{BB962C8B-B14F-4D97-AF65-F5344CB8AC3E}">
-        <p14:creationId xmlns:p14="http://schemas.microsoft.com/office/powerpoint/2010/main" val="870880843"/>
+        <p14:creationId xmlns:p14="http://schemas.microsoft.com/office/powerpoint/2010/main" val="3279015083"/>
       </p:ext>
     </p:extLst>
   </p:cSld>
@@ -1228,7 +1228,7 @@
           <p:cNvPr id="2" name="标题 1">
             <a:extLst>
               <a:ext uri="{FF2B5EF4-FFF2-40B4-BE49-F238E27FC236}">
-                <a16:creationId xmlns:a16="http://schemas.microsoft.com/office/drawing/2014/main" id="{30F9FFC4-D9BF-20BD-AA97-EA57E3C7F7EA}"/>
+                <a16:creationId xmlns:a16="http://schemas.microsoft.com/office/drawing/2014/main" id="{0E068915-F290-E35A-3C46-8A3CDF50505D}"/>
               </a:ext>
             </a:extLst>
           </p:cNvPr>
@@ -1256,7 +1256,7 @@
           <p:cNvPr id="3" name="内容占位符 2">
             <a:extLst>
               <a:ext uri="{FF2B5EF4-FFF2-40B4-BE49-F238E27FC236}">
-                <a16:creationId xmlns:a16="http://schemas.microsoft.com/office/drawing/2014/main" id="{F5BED48A-2052-BC23-F12A-07E57B20551D}"/>
+                <a16:creationId xmlns:a16="http://schemas.microsoft.com/office/drawing/2014/main" id="{001EEBB8-222C-6BCD-0D12-A930A3E3393B}"/>
               </a:ext>
             </a:extLst>
           </p:cNvPr>
@@ -1318,7 +1318,7 @@
           <p:cNvPr id="4" name="内容占位符 3">
             <a:extLst>
               <a:ext uri="{FF2B5EF4-FFF2-40B4-BE49-F238E27FC236}">
-                <a16:creationId xmlns:a16="http://schemas.microsoft.com/office/drawing/2014/main" id="{47408502-86D4-9FF6-8C3A-30818A55B309}"/>
+                <a16:creationId xmlns:a16="http://schemas.microsoft.com/office/drawing/2014/main" id="{45850ED8-B1D6-CAF0-363E-18409CF352C1}"/>
               </a:ext>
             </a:extLst>
           </p:cNvPr>
@@ -1380,7 +1380,7 @@
           <p:cNvPr id="5" name="日期占位符 4">
             <a:extLst>
               <a:ext uri="{FF2B5EF4-FFF2-40B4-BE49-F238E27FC236}">
-                <a16:creationId xmlns:a16="http://schemas.microsoft.com/office/drawing/2014/main" id="{EAC4436A-E56A-B40A-2894-C649A241461E}"/>
+                <a16:creationId xmlns:a16="http://schemas.microsoft.com/office/drawing/2014/main" id="{67055861-6926-5479-7B1D-15306B5201B8}"/>
               </a:ext>
             </a:extLst>
           </p:cNvPr>
@@ -1396,7 +1396,7 @@
           <a:bodyPr/>
           <a:lstStyle/>
           <a:p>
-            <a:fld id="{F80158D4-1A98-42F3-B04C-C8FA33746896}" type="datetimeFigureOut">
+            <a:fld id="{065AEC44-4D3B-4C6D-B97D-714DF49536FA}" type="datetimeFigureOut">
               <a:rPr lang="zh-CN" altLang="en-US" smtClean="0"/>
               <a:t>2024/3/10</a:t>
             </a:fld>
@@ -1409,7 +1409,7 @@
           <p:cNvPr id="6" name="页脚占位符 5">
             <a:extLst>
               <a:ext uri="{FF2B5EF4-FFF2-40B4-BE49-F238E27FC236}">
-                <a16:creationId xmlns:a16="http://schemas.microsoft.com/office/drawing/2014/main" id="{955FFAD4-CAE5-E559-44C2-FBE08AEAFD0C}"/>
+                <a16:creationId xmlns:a16="http://schemas.microsoft.com/office/drawing/2014/main" id="{558757C8-BB32-66A3-9C28-055DE7491EB8}"/>
               </a:ext>
             </a:extLst>
           </p:cNvPr>
@@ -1434,7 +1434,7 @@
           <p:cNvPr id="7" name="灯片编号占位符 6">
             <a:extLst>
               <a:ext uri="{FF2B5EF4-FFF2-40B4-BE49-F238E27FC236}">
-                <a16:creationId xmlns:a16="http://schemas.microsoft.com/office/drawing/2014/main" id="{2A0D0809-51C5-9B16-A473-B4CC6372309B}"/>
+                <a16:creationId xmlns:a16="http://schemas.microsoft.com/office/drawing/2014/main" id="{F4E0D0EC-9CEF-E4ED-1101-942B6445C8DF}"/>
               </a:ext>
             </a:extLst>
           </p:cNvPr>
@@ -1450,7 +1450,7 @@
           <a:bodyPr/>
           <a:lstStyle/>
           <a:p>
-            <a:fld id="{8EAF730A-F151-4863-BAF6-EFF5B80B3FED}" type="slidenum">
+            <a:fld id="{377D8AA6-A393-4340-A4C3-7C8177BDB1A5}" type="slidenum">
               <a:rPr lang="zh-CN" altLang="en-US" smtClean="0"/>
               <a:t>‹#›</a:t>
             </a:fld>
@@ -1461,7 +1461,7 @@
     </p:spTree>
     <p:extLst>
       <p:ext uri="{BB962C8B-B14F-4D97-AF65-F5344CB8AC3E}">
-        <p14:creationId xmlns:p14="http://schemas.microsoft.com/office/powerpoint/2010/main" val="279683076"/>
+        <p14:creationId xmlns:p14="http://schemas.microsoft.com/office/powerpoint/2010/main" val="3237080712"/>
       </p:ext>
     </p:extLst>
   </p:cSld>
@@ -1493,7 +1493,7 @@
           <p:cNvPr id="2" name="标题 1">
             <a:extLst>
               <a:ext uri="{FF2B5EF4-FFF2-40B4-BE49-F238E27FC236}">
-                <a16:creationId xmlns:a16="http://schemas.microsoft.com/office/drawing/2014/main" id="{BAD70678-B698-1D57-9C57-9415CF3832B9}"/>
+                <a16:creationId xmlns:a16="http://schemas.microsoft.com/office/drawing/2014/main" id="{72AE9B71-1696-2AA6-AEA7-192799D91167}"/>
               </a:ext>
             </a:extLst>
           </p:cNvPr>
@@ -1526,7 +1526,7 @@
           <p:cNvPr id="3" name="文本占位符 2">
             <a:extLst>
               <a:ext uri="{FF2B5EF4-FFF2-40B4-BE49-F238E27FC236}">
-                <a16:creationId xmlns:a16="http://schemas.microsoft.com/office/drawing/2014/main" id="{12C2A052-EE35-B667-3E82-AC38950D6575}"/>
+                <a16:creationId xmlns:a16="http://schemas.microsoft.com/office/drawing/2014/main" id="{101A12A5-97C4-81C5-3D55-6D24DBB5C6FD}"/>
               </a:ext>
             </a:extLst>
           </p:cNvPr>
@@ -1597,7 +1597,7 @@
           <p:cNvPr id="4" name="内容占位符 3">
             <a:extLst>
               <a:ext uri="{FF2B5EF4-FFF2-40B4-BE49-F238E27FC236}">
-                <a16:creationId xmlns:a16="http://schemas.microsoft.com/office/drawing/2014/main" id="{A799761A-0178-E42A-6E5D-2E7A49E3CF6C}"/>
+                <a16:creationId xmlns:a16="http://schemas.microsoft.com/office/drawing/2014/main" id="{07606216-458D-AEAD-3E99-6B9E9A06561F}"/>
               </a:ext>
             </a:extLst>
           </p:cNvPr>
@@ -1659,7 +1659,7 @@
           <p:cNvPr id="5" name="文本占位符 4">
             <a:extLst>
               <a:ext uri="{FF2B5EF4-FFF2-40B4-BE49-F238E27FC236}">
-                <a16:creationId xmlns:a16="http://schemas.microsoft.com/office/drawing/2014/main" id="{A6288AA8-9F95-2A3B-1A96-7B4DE45C6DA9}"/>
+                <a16:creationId xmlns:a16="http://schemas.microsoft.com/office/drawing/2014/main" id="{BA566848-8825-573E-CF04-3FAB4284F097}"/>
               </a:ext>
             </a:extLst>
           </p:cNvPr>
@@ -1730,7 +1730,7 @@
           <p:cNvPr id="6" name="内容占位符 5">
             <a:extLst>
               <a:ext uri="{FF2B5EF4-FFF2-40B4-BE49-F238E27FC236}">
-                <a16:creationId xmlns:a16="http://schemas.microsoft.com/office/drawing/2014/main" id="{F799602D-F422-858F-2285-7DDA23EDCB38}"/>
+                <a16:creationId xmlns:a16="http://schemas.microsoft.com/office/drawing/2014/main" id="{77848989-5369-0396-55FF-B55B6E177275}"/>
               </a:ext>
             </a:extLst>
           </p:cNvPr>
@@ -1792,7 +1792,7 @@
           <p:cNvPr id="7" name="日期占位符 6">
             <a:extLst>
               <a:ext uri="{FF2B5EF4-FFF2-40B4-BE49-F238E27FC236}">
-                <a16:creationId xmlns:a16="http://schemas.microsoft.com/office/drawing/2014/main" id="{7D02104D-EE03-4F30-336B-6E218DF12AA9}"/>
+                <a16:creationId xmlns:a16="http://schemas.microsoft.com/office/drawing/2014/main" id="{0AF26F94-49E7-6DF2-A6A2-FAA8E8B9C64C}"/>
               </a:ext>
             </a:extLst>
           </p:cNvPr>
@@ -1808,7 +1808,7 @@
           <a:bodyPr/>
           <a:lstStyle/>
           <a:p>
-            <a:fld id="{F80158D4-1A98-42F3-B04C-C8FA33746896}" type="datetimeFigureOut">
+            <a:fld id="{065AEC44-4D3B-4C6D-B97D-714DF49536FA}" type="datetimeFigureOut">
               <a:rPr lang="zh-CN" altLang="en-US" smtClean="0"/>
               <a:t>2024/3/10</a:t>
             </a:fld>
@@ -1821,7 +1821,7 @@
           <p:cNvPr id="8" name="页脚占位符 7">
             <a:extLst>
               <a:ext uri="{FF2B5EF4-FFF2-40B4-BE49-F238E27FC236}">
-                <a16:creationId xmlns:a16="http://schemas.microsoft.com/office/drawing/2014/main" id="{A87A179C-06A4-8181-A8F3-EEDEA6D780E4}"/>
+                <a16:creationId xmlns:a16="http://schemas.microsoft.com/office/drawing/2014/main" id="{B527D61E-7E77-462F-A245-08749F9BA5B4}"/>
               </a:ext>
             </a:extLst>
           </p:cNvPr>
@@ -1846,7 +1846,7 @@
           <p:cNvPr id="9" name="灯片编号占位符 8">
             <a:extLst>
               <a:ext uri="{FF2B5EF4-FFF2-40B4-BE49-F238E27FC236}">
-                <a16:creationId xmlns:a16="http://schemas.microsoft.com/office/drawing/2014/main" id="{1225E323-6062-E492-F729-085CEE4FBA19}"/>
+                <a16:creationId xmlns:a16="http://schemas.microsoft.com/office/drawing/2014/main" id="{95AC849F-D8FB-2AC3-D4C7-81536F437C61}"/>
               </a:ext>
             </a:extLst>
           </p:cNvPr>
@@ -1862,7 +1862,7 @@
           <a:bodyPr/>
           <a:lstStyle/>
           <a:p>
-            <a:fld id="{8EAF730A-F151-4863-BAF6-EFF5B80B3FED}" type="slidenum">
+            <a:fld id="{377D8AA6-A393-4340-A4C3-7C8177BDB1A5}" type="slidenum">
               <a:rPr lang="zh-CN" altLang="en-US" smtClean="0"/>
               <a:t>‹#›</a:t>
             </a:fld>
@@ -1873,7 +1873,7 @@
     </p:spTree>
     <p:extLst>
       <p:ext uri="{BB962C8B-B14F-4D97-AF65-F5344CB8AC3E}">
-        <p14:creationId xmlns:p14="http://schemas.microsoft.com/office/powerpoint/2010/main" val="3071700362"/>
+        <p14:creationId xmlns:p14="http://schemas.microsoft.com/office/powerpoint/2010/main" val="2619613882"/>
       </p:ext>
     </p:extLst>
   </p:cSld>
@@ -1905,7 +1905,7 @@
           <p:cNvPr id="2" name="标题 1">
             <a:extLst>
               <a:ext uri="{FF2B5EF4-FFF2-40B4-BE49-F238E27FC236}">
-                <a16:creationId xmlns:a16="http://schemas.microsoft.com/office/drawing/2014/main" id="{95D12116-71BB-6B48-653A-A95B16AC79E4}"/>
+                <a16:creationId xmlns:a16="http://schemas.microsoft.com/office/drawing/2014/main" id="{4CF26BEF-9024-BAA8-619B-E0C87A7FFECD}"/>
               </a:ext>
             </a:extLst>
           </p:cNvPr>
@@ -1933,7 +1933,7 @@
           <p:cNvPr id="3" name="日期占位符 2">
             <a:extLst>
               <a:ext uri="{FF2B5EF4-FFF2-40B4-BE49-F238E27FC236}">
-                <a16:creationId xmlns:a16="http://schemas.microsoft.com/office/drawing/2014/main" id="{B02A6909-D69D-04F2-87E1-8801DE20B235}"/>
+                <a16:creationId xmlns:a16="http://schemas.microsoft.com/office/drawing/2014/main" id="{DC2C2E6D-388B-37DC-2456-9728E47A4E04}"/>
               </a:ext>
             </a:extLst>
           </p:cNvPr>
@@ -1949,7 +1949,7 @@
           <a:bodyPr/>
           <a:lstStyle/>
           <a:p>
-            <a:fld id="{F80158D4-1A98-42F3-B04C-C8FA33746896}" type="datetimeFigureOut">
+            <a:fld id="{065AEC44-4D3B-4C6D-B97D-714DF49536FA}" type="datetimeFigureOut">
               <a:rPr lang="zh-CN" altLang="en-US" smtClean="0"/>
               <a:t>2024/3/10</a:t>
             </a:fld>
@@ -1962,7 +1962,7 @@
           <p:cNvPr id="4" name="页脚占位符 3">
             <a:extLst>
               <a:ext uri="{FF2B5EF4-FFF2-40B4-BE49-F238E27FC236}">
-                <a16:creationId xmlns:a16="http://schemas.microsoft.com/office/drawing/2014/main" id="{7AA661A4-1393-A295-7558-829069C255BF}"/>
+                <a16:creationId xmlns:a16="http://schemas.microsoft.com/office/drawing/2014/main" id="{1BFB907A-DF6E-C62D-7F3B-910AE8DFBD23}"/>
               </a:ext>
             </a:extLst>
           </p:cNvPr>
@@ -1987,7 +1987,7 @@
           <p:cNvPr id="5" name="灯片编号占位符 4">
             <a:extLst>
               <a:ext uri="{FF2B5EF4-FFF2-40B4-BE49-F238E27FC236}">
-                <a16:creationId xmlns:a16="http://schemas.microsoft.com/office/drawing/2014/main" id="{9A758731-C95B-7759-5237-4FFC6FDCBFE5}"/>
+                <a16:creationId xmlns:a16="http://schemas.microsoft.com/office/drawing/2014/main" id="{8208E9E3-34A9-436F-3F07-248807B02011}"/>
               </a:ext>
             </a:extLst>
           </p:cNvPr>
@@ -2003,7 +2003,7 @@
           <a:bodyPr/>
           <a:lstStyle/>
           <a:p>
-            <a:fld id="{8EAF730A-F151-4863-BAF6-EFF5B80B3FED}" type="slidenum">
+            <a:fld id="{377D8AA6-A393-4340-A4C3-7C8177BDB1A5}" type="slidenum">
               <a:rPr lang="zh-CN" altLang="en-US" smtClean="0"/>
               <a:t>‹#›</a:t>
             </a:fld>
@@ -2014,7 +2014,7 @@
     </p:spTree>
     <p:extLst>
       <p:ext uri="{BB962C8B-B14F-4D97-AF65-F5344CB8AC3E}">
-        <p14:creationId xmlns:p14="http://schemas.microsoft.com/office/powerpoint/2010/main" val="655104563"/>
+        <p14:creationId xmlns:p14="http://schemas.microsoft.com/office/powerpoint/2010/main" val="320242383"/>
       </p:ext>
     </p:extLst>
   </p:cSld>
@@ -2046,7 +2046,7 @@
           <p:cNvPr id="2" name="日期占位符 1">
             <a:extLst>
               <a:ext uri="{FF2B5EF4-FFF2-40B4-BE49-F238E27FC236}">
-                <a16:creationId xmlns:a16="http://schemas.microsoft.com/office/drawing/2014/main" id="{8DDF27BC-7949-15CC-7563-E8BE592C8462}"/>
+                <a16:creationId xmlns:a16="http://schemas.microsoft.com/office/drawing/2014/main" id="{F70340B8-E166-2067-5FFC-B06707B8AF30}"/>
               </a:ext>
             </a:extLst>
           </p:cNvPr>
@@ -2062,7 +2062,7 @@
           <a:bodyPr/>
           <a:lstStyle/>
           <a:p>
-            <a:fld id="{F80158D4-1A98-42F3-B04C-C8FA33746896}" type="datetimeFigureOut">
+            <a:fld id="{065AEC44-4D3B-4C6D-B97D-714DF49536FA}" type="datetimeFigureOut">
               <a:rPr lang="zh-CN" altLang="en-US" smtClean="0"/>
               <a:t>2024/3/10</a:t>
             </a:fld>
@@ -2075,7 +2075,7 @@
           <p:cNvPr id="3" name="页脚占位符 2">
             <a:extLst>
               <a:ext uri="{FF2B5EF4-FFF2-40B4-BE49-F238E27FC236}">
-                <a16:creationId xmlns:a16="http://schemas.microsoft.com/office/drawing/2014/main" id="{D75EA7DF-285C-1175-44DE-54AEA2F637D3}"/>
+                <a16:creationId xmlns:a16="http://schemas.microsoft.com/office/drawing/2014/main" id="{BACD2F29-3248-D004-91C0-74402ECFBCE1}"/>
               </a:ext>
             </a:extLst>
           </p:cNvPr>
@@ -2100,7 +2100,7 @@
           <p:cNvPr id="4" name="灯片编号占位符 3">
             <a:extLst>
               <a:ext uri="{FF2B5EF4-FFF2-40B4-BE49-F238E27FC236}">
-                <a16:creationId xmlns:a16="http://schemas.microsoft.com/office/drawing/2014/main" id="{24E1CEB4-D7FF-F95E-90BA-40E336E9FDA3}"/>
+                <a16:creationId xmlns:a16="http://schemas.microsoft.com/office/drawing/2014/main" id="{E599E4D0-35D6-EA19-1158-FC6E5D07A58F}"/>
               </a:ext>
             </a:extLst>
           </p:cNvPr>
@@ -2116,7 +2116,7 @@
           <a:bodyPr/>
           <a:lstStyle/>
           <a:p>
-            <a:fld id="{8EAF730A-F151-4863-BAF6-EFF5B80B3FED}" type="slidenum">
+            <a:fld id="{377D8AA6-A393-4340-A4C3-7C8177BDB1A5}" type="slidenum">
               <a:rPr lang="zh-CN" altLang="en-US" smtClean="0"/>
               <a:t>‹#›</a:t>
             </a:fld>
@@ -2127,7 +2127,7 @@
     </p:spTree>
     <p:extLst>
       <p:ext uri="{BB962C8B-B14F-4D97-AF65-F5344CB8AC3E}">
-        <p14:creationId xmlns:p14="http://schemas.microsoft.com/office/powerpoint/2010/main" val="933349973"/>
+        <p14:creationId xmlns:p14="http://schemas.microsoft.com/office/powerpoint/2010/main" val="328778358"/>
       </p:ext>
     </p:extLst>
   </p:cSld>
@@ -2159,7 +2159,7 @@
           <p:cNvPr id="2" name="标题 1">
             <a:extLst>
               <a:ext uri="{FF2B5EF4-FFF2-40B4-BE49-F238E27FC236}">
-                <a16:creationId xmlns:a16="http://schemas.microsoft.com/office/drawing/2014/main" id="{11A2C93D-83C3-F280-6C5C-A8D5659786AA}"/>
+                <a16:creationId xmlns:a16="http://schemas.microsoft.com/office/drawing/2014/main" id="{459D6EE1-352F-CD48-8AA1-FDAC572952EB}"/>
               </a:ext>
             </a:extLst>
           </p:cNvPr>
@@ -2196,7 +2196,7 @@
           <p:cNvPr id="3" name="内容占位符 2">
             <a:extLst>
               <a:ext uri="{FF2B5EF4-FFF2-40B4-BE49-F238E27FC236}">
-                <a16:creationId xmlns:a16="http://schemas.microsoft.com/office/drawing/2014/main" id="{C6A6D0E6-142A-D56F-EB69-1CAC2252F684}"/>
+                <a16:creationId xmlns:a16="http://schemas.microsoft.com/office/drawing/2014/main" id="{9477860E-03B6-487A-990E-EE56B8919420}"/>
               </a:ext>
             </a:extLst>
           </p:cNvPr>
@@ -2286,7 +2286,7 @@
           <p:cNvPr id="4" name="文本占位符 3">
             <a:extLst>
               <a:ext uri="{FF2B5EF4-FFF2-40B4-BE49-F238E27FC236}">
-                <a16:creationId xmlns:a16="http://schemas.microsoft.com/office/drawing/2014/main" id="{102F347E-769B-F67E-C1F6-58FFEEF1E93D}"/>
+                <a16:creationId xmlns:a16="http://schemas.microsoft.com/office/drawing/2014/main" id="{888CE68A-D098-8099-31A7-F5D418A3658B}"/>
               </a:ext>
             </a:extLst>
           </p:cNvPr>
@@ -2357,7 +2357,7 @@
           <p:cNvPr id="5" name="日期占位符 4">
             <a:extLst>
               <a:ext uri="{FF2B5EF4-FFF2-40B4-BE49-F238E27FC236}">
-                <a16:creationId xmlns:a16="http://schemas.microsoft.com/office/drawing/2014/main" id="{2F4DEAB6-3C6C-F945-7151-F800C72C3E66}"/>
+                <a16:creationId xmlns:a16="http://schemas.microsoft.com/office/drawing/2014/main" id="{77354F7C-6BEA-3E94-714B-7575F7A38FB6}"/>
               </a:ext>
             </a:extLst>
           </p:cNvPr>
@@ -2373,7 +2373,7 @@
           <a:bodyPr/>
           <a:lstStyle/>
           <a:p>
-            <a:fld id="{F80158D4-1A98-42F3-B04C-C8FA33746896}" type="datetimeFigureOut">
+            <a:fld id="{065AEC44-4D3B-4C6D-B97D-714DF49536FA}" type="datetimeFigureOut">
               <a:rPr lang="zh-CN" altLang="en-US" smtClean="0"/>
               <a:t>2024/3/10</a:t>
             </a:fld>
@@ -2386,7 +2386,7 @@
           <p:cNvPr id="6" name="页脚占位符 5">
             <a:extLst>
               <a:ext uri="{FF2B5EF4-FFF2-40B4-BE49-F238E27FC236}">
-                <a16:creationId xmlns:a16="http://schemas.microsoft.com/office/drawing/2014/main" id="{71737556-B37F-0D57-4DD2-B3386FD1C0B4}"/>
+                <a16:creationId xmlns:a16="http://schemas.microsoft.com/office/drawing/2014/main" id="{81CD21FF-F8B1-102E-3FF0-F011D8337349}"/>
               </a:ext>
             </a:extLst>
           </p:cNvPr>
@@ -2411,7 +2411,7 @@
           <p:cNvPr id="7" name="灯片编号占位符 6">
             <a:extLst>
               <a:ext uri="{FF2B5EF4-FFF2-40B4-BE49-F238E27FC236}">
-                <a16:creationId xmlns:a16="http://schemas.microsoft.com/office/drawing/2014/main" id="{96439010-5DF8-7D30-1D64-512271299428}"/>
+                <a16:creationId xmlns:a16="http://schemas.microsoft.com/office/drawing/2014/main" id="{835E0815-4036-C148-F94C-EACB672469FF}"/>
               </a:ext>
             </a:extLst>
           </p:cNvPr>
@@ -2427,7 +2427,7 @@
           <a:bodyPr/>
           <a:lstStyle/>
           <a:p>
-            <a:fld id="{8EAF730A-F151-4863-BAF6-EFF5B80B3FED}" type="slidenum">
+            <a:fld id="{377D8AA6-A393-4340-A4C3-7C8177BDB1A5}" type="slidenum">
               <a:rPr lang="zh-CN" altLang="en-US" smtClean="0"/>
               <a:t>‹#›</a:t>
             </a:fld>
@@ -2438,7 +2438,7 @@
     </p:spTree>
     <p:extLst>
       <p:ext uri="{BB962C8B-B14F-4D97-AF65-F5344CB8AC3E}">
-        <p14:creationId xmlns:p14="http://schemas.microsoft.com/office/powerpoint/2010/main" val="2170650363"/>
+        <p14:creationId xmlns:p14="http://schemas.microsoft.com/office/powerpoint/2010/main" val="1814695778"/>
       </p:ext>
     </p:extLst>
   </p:cSld>
@@ -2470,7 +2470,7 @@
           <p:cNvPr id="2" name="标题 1">
             <a:extLst>
               <a:ext uri="{FF2B5EF4-FFF2-40B4-BE49-F238E27FC236}">
-                <a16:creationId xmlns:a16="http://schemas.microsoft.com/office/drawing/2014/main" id="{B8571724-F0E3-E52B-9084-449D5BB50ABD}"/>
+                <a16:creationId xmlns:a16="http://schemas.microsoft.com/office/drawing/2014/main" id="{CC572BC4-E465-7210-3B76-C18ABE116C10}"/>
               </a:ext>
             </a:extLst>
           </p:cNvPr>
@@ -2507,7 +2507,7 @@
           <p:cNvPr id="3" name="图片占位符 2">
             <a:extLst>
               <a:ext uri="{FF2B5EF4-FFF2-40B4-BE49-F238E27FC236}">
-                <a16:creationId xmlns:a16="http://schemas.microsoft.com/office/drawing/2014/main" id="{1719AC3D-0399-7B06-F93B-845E2ED7731C}"/>
+                <a16:creationId xmlns:a16="http://schemas.microsoft.com/office/drawing/2014/main" id="{DFE1F844-A375-903F-DBFF-1AA012599C47}"/>
               </a:ext>
             </a:extLst>
           </p:cNvPr>
@@ -2574,7 +2574,7 @@
           <p:cNvPr id="4" name="文本占位符 3">
             <a:extLst>
               <a:ext uri="{FF2B5EF4-FFF2-40B4-BE49-F238E27FC236}">
-                <a16:creationId xmlns:a16="http://schemas.microsoft.com/office/drawing/2014/main" id="{59494C75-C8EE-6991-02DE-53586CAE8C81}"/>
+                <a16:creationId xmlns:a16="http://schemas.microsoft.com/office/drawing/2014/main" id="{3AD2238F-0430-63D7-352E-D598791592AF}"/>
               </a:ext>
             </a:extLst>
           </p:cNvPr>
@@ -2645,7 +2645,7 @@
           <p:cNvPr id="5" name="日期占位符 4">
             <a:extLst>
               <a:ext uri="{FF2B5EF4-FFF2-40B4-BE49-F238E27FC236}">
-                <a16:creationId xmlns:a16="http://schemas.microsoft.com/office/drawing/2014/main" id="{5FCF0F71-6575-F350-CB10-7A499EC92F8E}"/>
+                <a16:creationId xmlns:a16="http://schemas.microsoft.com/office/drawing/2014/main" id="{FDCEAAD1-1272-0B98-9E1F-6DFA56A72771}"/>
               </a:ext>
             </a:extLst>
           </p:cNvPr>
@@ -2661,7 +2661,7 @@
           <a:bodyPr/>
           <a:lstStyle/>
           <a:p>
-            <a:fld id="{F80158D4-1A98-42F3-B04C-C8FA33746896}" type="datetimeFigureOut">
+            <a:fld id="{065AEC44-4D3B-4C6D-B97D-714DF49536FA}" type="datetimeFigureOut">
               <a:rPr lang="zh-CN" altLang="en-US" smtClean="0"/>
               <a:t>2024/3/10</a:t>
             </a:fld>
@@ -2674,7 +2674,7 @@
           <p:cNvPr id="6" name="页脚占位符 5">
             <a:extLst>
               <a:ext uri="{FF2B5EF4-FFF2-40B4-BE49-F238E27FC236}">
-                <a16:creationId xmlns:a16="http://schemas.microsoft.com/office/drawing/2014/main" id="{4ECAF36A-D1E7-B33B-AFFB-0E2E5140DBFE}"/>
+                <a16:creationId xmlns:a16="http://schemas.microsoft.com/office/drawing/2014/main" id="{27070732-75E7-DEED-E580-9273A056F07B}"/>
               </a:ext>
             </a:extLst>
           </p:cNvPr>
@@ -2699,7 +2699,7 @@
           <p:cNvPr id="7" name="灯片编号占位符 6">
             <a:extLst>
               <a:ext uri="{FF2B5EF4-FFF2-40B4-BE49-F238E27FC236}">
-                <a16:creationId xmlns:a16="http://schemas.microsoft.com/office/drawing/2014/main" id="{91ADB238-2C22-A604-C096-9118A0C7766F}"/>
+                <a16:creationId xmlns:a16="http://schemas.microsoft.com/office/drawing/2014/main" id="{FBAF4026-4772-1E0F-E23B-EED22C5086AE}"/>
               </a:ext>
             </a:extLst>
           </p:cNvPr>
@@ -2715,7 +2715,7 @@
           <a:bodyPr/>
           <a:lstStyle/>
           <a:p>
-            <a:fld id="{8EAF730A-F151-4863-BAF6-EFF5B80B3FED}" type="slidenum">
+            <a:fld id="{377D8AA6-A393-4340-A4C3-7C8177BDB1A5}" type="slidenum">
               <a:rPr lang="zh-CN" altLang="en-US" smtClean="0"/>
               <a:t>‹#›</a:t>
             </a:fld>
@@ -2726,7 +2726,7 @@
     </p:spTree>
     <p:extLst>
       <p:ext uri="{BB962C8B-B14F-4D97-AF65-F5344CB8AC3E}">
-        <p14:creationId xmlns:p14="http://schemas.microsoft.com/office/powerpoint/2010/main" val="231845266"/>
+        <p14:creationId xmlns:p14="http://schemas.microsoft.com/office/powerpoint/2010/main" val="3944652476"/>
       </p:ext>
     </p:extLst>
   </p:cSld>
@@ -2763,7 +2763,7 @@
           <p:cNvPr id="2" name="标题占位符 1">
             <a:extLst>
               <a:ext uri="{FF2B5EF4-FFF2-40B4-BE49-F238E27FC236}">
-                <a16:creationId xmlns:a16="http://schemas.microsoft.com/office/drawing/2014/main" id="{0C98CD71-D47E-4D34-A8F0-9F472D6EAAC5}"/>
+                <a16:creationId xmlns:a16="http://schemas.microsoft.com/office/drawing/2014/main" id="{4EE80B02-09AA-67F4-7D8B-FF7C1424354C}"/>
               </a:ext>
             </a:extLst>
           </p:cNvPr>
@@ -2801,7 +2801,7 @@
           <p:cNvPr id="3" name="文本占位符 2">
             <a:extLst>
               <a:ext uri="{FF2B5EF4-FFF2-40B4-BE49-F238E27FC236}">
-                <a16:creationId xmlns:a16="http://schemas.microsoft.com/office/drawing/2014/main" id="{31269674-13BE-A75C-1112-EE1CEF23EA67}"/>
+                <a16:creationId xmlns:a16="http://schemas.microsoft.com/office/drawing/2014/main" id="{1071C8E4-9210-F6A6-84D2-35704544CDB4}"/>
               </a:ext>
             </a:extLst>
           </p:cNvPr>
@@ -2868,7 +2868,7 @@
           <p:cNvPr id="4" name="日期占位符 3">
             <a:extLst>
               <a:ext uri="{FF2B5EF4-FFF2-40B4-BE49-F238E27FC236}">
-                <a16:creationId xmlns:a16="http://schemas.microsoft.com/office/drawing/2014/main" id="{1280C6F0-4F77-FB62-6C28-36DE3092328C}"/>
+                <a16:creationId xmlns:a16="http://schemas.microsoft.com/office/drawing/2014/main" id="{D31B5313-83BE-FB05-B4F2-23087F5B163B}"/>
               </a:ext>
             </a:extLst>
           </p:cNvPr>
@@ -2902,7 +2902,7 @@
             </a:lvl1pPr>
           </a:lstStyle>
           <a:p>
-            <a:fld id="{F80158D4-1A98-42F3-B04C-C8FA33746896}" type="datetimeFigureOut">
+            <a:fld id="{065AEC44-4D3B-4C6D-B97D-714DF49536FA}" type="datetimeFigureOut">
               <a:rPr lang="zh-CN" altLang="en-US" smtClean="0"/>
               <a:t>2024/3/10</a:t>
             </a:fld>
@@ -2915,7 +2915,7 @@
           <p:cNvPr id="5" name="页脚占位符 4">
             <a:extLst>
               <a:ext uri="{FF2B5EF4-FFF2-40B4-BE49-F238E27FC236}">
-                <a16:creationId xmlns:a16="http://schemas.microsoft.com/office/drawing/2014/main" id="{AA5ECB40-B2E0-224A-E0D6-58F3D1D306EE}"/>
+                <a16:creationId xmlns:a16="http://schemas.microsoft.com/office/drawing/2014/main" id="{3D919A84-82B4-D8CD-5BFE-F6C1D2508859}"/>
               </a:ext>
             </a:extLst>
           </p:cNvPr>
@@ -2958,7 +2958,7 @@
           <p:cNvPr id="6" name="灯片编号占位符 5">
             <a:extLst>
               <a:ext uri="{FF2B5EF4-FFF2-40B4-BE49-F238E27FC236}">
-                <a16:creationId xmlns:a16="http://schemas.microsoft.com/office/drawing/2014/main" id="{7F0B8FD4-949B-7162-5902-195FE685321C}"/>
+                <a16:creationId xmlns:a16="http://schemas.microsoft.com/office/drawing/2014/main" id="{7711DD4C-45CA-33CC-5B12-965D7C0B7557}"/>
               </a:ext>
             </a:extLst>
           </p:cNvPr>
@@ -2992,7 +2992,7 @@
             </a:lvl1pPr>
           </a:lstStyle>
           <a:p>
-            <a:fld id="{8EAF730A-F151-4863-BAF6-EFF5B80B3FED}" type="slidenum">
+            <a:fld id="{377D8AA6-A393-4340-A4C3-7C8177BDB1A5}" type="slidenum">
               <a:rPr lang="zh-CN" altLang="en-US" smtClean="0"/>
               <a:t>‹#›</a:t>
             </a:fld>
@@ -3003,7 +3003,7 @@
     </p:spTree>
     <p:extLst>
       <p:ext uri="{BB962C8B-B14F-4D97-AF65-F5344CB8AC3E}">
-        <p14:creationId xmlns:p14="http://schemas.microsoft.com/office/powerpoint/2010/main" val="510193240"/>
+        <p14:creationId xmlns:p14="http://schemas.microsoft.com/office/powerpoint/2010/main" val="41183813"/>
       </p:ext>
     </p:extLst>
   </p:cSld>
@@ -3323,7 +3323,7 @@
       </p:grpSpPr>
       <p:pic>
         <p:nvPicPr>
-          <p:cNvPr id="448514" name="Picture 2" descr="437"/>
+          <p:cNvPr id="449538" name="Picture 2" descr="438"/>
           <p:cNvPicPr>
             <a:picLocks noChangeAspect="1" noChangeArrowheads="1"/>
           </p:cNvPicPr>
